--- a/middle/21520428_LTQ/Report.pptx
+++ b/middle/21520428_LTQ/Report.pptx
@@ -5,7 +5,7 @@
     <p:sldMasterId id="2147483815" r:id="rId1"/>
   </p:sldMasterIdLst>
   <p:notesMasterIdLst>
-    <p:notesMasterId r:id="rId19"/>
+    <p:notesMasterId r:id="rId20"/>
   </p:notesMasterIdLst>
   <p:sldIdLst>
     <p:sldId id="256" r:id="rId2"/>
@@ -25,6 +25,7 @@
     <p:sldId id="272" r:id="rId16"/>
     <p:sldId id="277" r:id="rId17"/>
     <p:sldId id="278" r:id="rId18"/>
+    <p:sldId id="279" r:id="rId19"/>
   </p:sldIdLst>
   <p:sldSz cx="12192000" cy="6858000"/>
   <p:notesSz cx="6858000" cy="9144000"/>
@@ -213,7 +214,7 @@
           <a:p>
             <a:fld id="{58FC9795-7311-4B34-91B7-337BE670B1BD}" type="datetimeFigureOut">
               <a:rPr lang="en-US" smtClean="0"/>
-              <a:t>10/13/2023</a:t>
+              <a:t>10/15/2023</a:t>
             </a:fld>
             <a:endParaRPr lang="en-US" dirty="0"/>
           </a:p>
@@ -525,6 +526,23 @@
           <a:bodyPr/>
           <a:lstStyle/>
           <a:p>
+            <a:pPr marL="0" marR="0" lvl="0" indent="0" algn="l" defTabSz="914400" rtl="0" eaLnBrk="1" fontAlgn="auto" latinLnBrk="0" hangingPunct="1">
+              <a:lnSpc>
+                <a:spcPct val="100000"/>
+              </a:lnSpc>
+              <a:spcBef>
+                <a:spcPts val="0"/>
+              </a:spcBef>
+              <a:spcAft>
+                <a:spcPts val="0"/>
+              </a:spcAft>
+              <a:buClrTx/>
+              <a:buSzTx/>
+              <a:buFontTx/>
+              <a:buNone/>
+              <a:tabLst/>
+              <a:defRPr/>
+            </a:pPr>
             <a:endParaRPr lang="en-US" dirty="0"/>
           </a:p>
         </p:txBody>
@@ -728,7 +746,7 @@
           <a:p>
             <a:fld id="{18EC9768-ABC9-4E4E-A156-4719FC4180ED}" type="datetimeFigureOut">
               <a:rPr lang="en-US" smtClean="0"/>
-              <a:t>10/13/2023</a:t>
+              <a:t>10/15/2023</a:t>
             </a:fld>
             <a:endParaRPr lang="en-US" dirty="0"/>
           </a:p>
@@ -898,7 +916,7 @@
           <a:p>
             <a:fld id="{18EC9768-ABC9-4E4E-A156-4719FC4180ED}" type="datetimeFigureOut">
               <a:rPr lang="en-US" smtClean="0"/>
-              <a:t>10/13/2023</a:t>
+              <a:t>10/15/2023</a:t>
             </a:fld>
             <a:endParaRPr lang="en-US" dirty="0"/>
           </a:p>
@@ -1078,7 +1096,7 @@
           <a:p>
             <a:fld id="{18EC9768-ABC9-4E4E-A156-4719FC4180ED}" type="datetimeFigureOut">
               <a:rPr lang="en-US" smtClean="0"/>
-              <a:t>10/13/2023</a:t>
+              <a:t>10/15/2023</a:t>
             </a:fld>
             <a:endParaRPr lang="en-US" dirty="0"/>
           </a:p>
@@ -1248,7 +1266,7 @@
           <a:p>
             <a:fld id="{18EC9768-ABC9-4E4E-A156-4719FC4180ED}" type="datetimeFigureOut">
               <a:rPr lang="en-US" smtClean="0"/>
-              <a:t>10/13/2023</a:t>
+              <a:t>10/15/2023</a:t>
             </a:fld>
             <a:endParaRPr lang="en-US" dirty="0"/>
           </a:p>
@@ -1516,7 +1534,7 @@
           <a:p>
             <a:fld id="{18EC9768-ABC9-4E4E-A156-4719FC4180ED}" type="datetimeFigureOut">
               <a:rPr lang="en-US" smtClean="0"/>
-              <a:t>10/13/2023</a:t>
+              <a:t>10/15/2023</a:t>
             </a:fld>
             <a:endParaRPr lang="en-US" dirty="0"/>
           </a:p>
@@ -1748,7 +1766,7 @@
           <a:p>
             <a:fld id="{18EC9768-ABC9-4E4E-A156-4719FC4180ED}" type="datetimeFigureOut">
               <a:rPr lang="en-US" smtClean="0"/>
-              <a:t>10/13/2023</a:t>
+              <a:t>10/15/2023</a:t>
             </a:fld>
             <a:endParaRPr lang="en-US" dirty="0"/>
           </a:p>
@@ -2107,7 +2125,7 @@
           <a:p>
             <a:fld id="{18EC9768-ABC9-4E4E-A156-4719FC4180ED}" type="datetimeFigureOut">
               <a:rPr lang="en-US" smtClean="0"/>
-              <a:t>10/13/2023</a:t>
+              <a:t>10/15/2023</a:t>
             </a:fld>
             <a:endParaRPr lang="en-US" dirty="0"/>
           </a:p>
@@ -2248,7 +2266,7 @@
           <a:p>
             <a:fld id="{18EC9768-ABC9-4E4E-A156-4719FC4180ED}" type="datetimeFigureOut">
               <a:rPr lang="en-US" smtClean="0"/>
-              <a:t>10/13/2023</a:t>
+              <a:t>10/15/2023</a:t>
             </a:fld>
             <a:endParaRPr lang="en-US" dirty="0"/>
           </a:p>
@@ -2343,7 +2361,7 @@
           <a:p>
             <a:fld id="{18EC9768-ABC9-4E4E-A156-4719FC4180ED}" type="datetimeFigureOut">
               <a:rPr lang="en-US" smtClean="0"/>
-              <a:t>10/13/2023</a:t>
+              <a:t>10/15/2023</a:t>
             </a:fld>
             <a:endParaRPr lang="en-US" dirty="0"/>
           </a:p>
@@ -2700,7 +2718,7 @@
           <a:p>
             <a:fld id="{18EC9768-ABC9-4E4E-A156-4719FC4180ED}" type="datetimeFigureOut">
               <a:rPr lang="en-US" smtClean="0"/>
-              <a:t>10/13/2023</a:t>
+              <a:t>10/15/2023</a:t>
             </a:fld>
             <a:endParaRPr lang="en-US" dirty="0"/>
           </a:p>
@@ -3057,7 +3075,7 @@
           <a:p>
             <a:fld id="{18EC9768-ABC9-4E4E-A156-4719FC4180ED}" type="datetimeFigureOut">
               <a:rPr lang="en-US" smtClean="0"/>
-              <a:t>10/13/2023</a:t>
+              <a:t>10/15/2023</a:t>
             </a:fld>
             <a:endParaRPr lang="en-US" dirty="0"/>
           </a:p>
@@ -3299,7 +3317,7 @@
           <a:p>
             <a:fld id="{18EC9768-ABC9-4E4E-A156-4719FC4180ED}" type="datetimeFigureOut">
               <a:rPr lang="en-US" smtClean="0"/>
-              <a:t>10/13/2023</a:t>
+              <a:t>10/15/2023</a:t>
             </a:fld>
             <a:endParaRPr lang="en-US" dirty="0"/>
           </a:p>
@@ -3843,7 +3861,35 @@
                 <a:ea typeface="Kigelia" panose="020B0503040502020203" pitchFamily="34" charset="0"/>
                 <a:cs typeface="Kigelia" panose="020B0503040502020203" pitchFamily="34" charset="0"/>
               </a:rPr>
-              <a:t>Sinh viên: Lê Tiến Quyết - 21520428</a:t>
+              <a:t>Sinh viên: Lê Tiến Quyết – 21520428</a:t>
+            </a:r>
+            <a:r>
+              <a:rPr lang="en-US" sz="2400" dirty="0">
+                <a:solidFill>
+                  <a:schemeClr val="tx1">
+                    <a:lumMod val="85000"/>
+                    <a:lumOff val="15000"/>
+                  </a:schemeClr>
+                </a:solidFill>
+                <a:latin typeface="Kigelia" panose="020B0503040502020203" pitchFamily="34" charset="0"/>
+                <a:ea typeface="Kigelia" panose="020B0503040502020203" pitchFamily="34" charset="0"/>
+                <a:cs typeface="Kigelia" panose="020B0503040502020203" pitchFamily="34" charset="0"/>
+              </a:rPr>
+              <a:t> </a:t>
+            </a:r>
+            <a:r>
+              <a:rPr lang="vi-VN" sz="2400" dirty="0">
+                <a:solidFill>
+                  <a:schemeClr val="tx1">
+                    <a:lumMod val="85000"/>
+                    <a:lumOff val="15000"/>
+                  </a:schemeClr>
+                </a:solidFill>
+                <a:latin typeface="Kigelia" panose="020B0503040502020203" pitchFamily="34" charset="0"/>
+                <a:ea typeface="Kigelia" panose="020B0503040502020203" pitchFamily="34" charset="0"/>
+                <a:cs typeface="Kigelia" panose="020B0503040502020203" pitchFamily="34" charset="0"/>
+              </a:rPr>
+              <a:t>(Nhóm 3)</a:t>
             </a:r>
             <a:endParaRPr lang="en-US" sz="2400" dirty="0">
               <a:solidFill>
@@ -9789,6 +9835,71 @@
       <p:bldP spid="25" grpId="0"/>
     </p:bldLst>
   </p:timing>
+</p:sld>
+</file>
+
+<file path=ppt/slides/slide18.xml><?xml version="1.0" encoding="utf-8"?>
+<p:sld xmlns:a="http://schemas.openxmlformats.org/drawingml/2006/main" xmlns:r="http://schemas.openxmlformats.org/officeDocument/2006/relationships" xmlns:p="http://schemas.openxmlformats.org/presentationml/2006/main">
+  <p:cSld>
+    <p:spTree>
+      <p:nvGrpSpPr>
+        <p:cNvPr id="1" name=""/>
+        <p:cNvGrpSpPr/>
+        <p:nvPr/>
+      </p:nvGrpSpPr>
+      <p:grpSpPr>
+        <a:xfrm>
+          <a:off x="0" y="0"/>
+          <a:ext cx="0" cy="0"/>
+          <a:chOff x="0" y="0"/>
+          <a:chExt cx="0" cy="0"/>
+        </a:xfrm>
+      </p:grpSpPr>
+      <p:pic>
+        <p:nvPicPr>
+          <p:cNvPr id="5" name="Chỗ dành sẵn cho Nội dung 4" descr="'The End' typed on a typewriter">
+            <a:extLst>
+              <a:ext uri="{FF2B5EF4-FFF2-40B4-BE49-F238E27FC236}">
+                <a16:creationId xmlns:a16="http://schemas.microsoft.com/office/drawing/2014/main" id="{C98D4010-7E15-74A3-3CEF-A4F8D9A68162}"/>
+              </a:ext>
+            </a:extLst>
+          </p:cNvPr>
+          <p:cNvPicPr>
+            <a:picLocks noGrp="1" noChangeAspect="1"/>
+          </p:cNvPicPr>
+          <p:nvPr>
+            <p:ph idx="1"/>
+          </p:nvPr>
+        </p:nvPicPr>
+        <p:blipFill>
+          <a:blip r:embed="rId2">
+            <a:extLst>
+              <a:ext uri="{28A0092B-C50C-407E-A947-70E740481C1C}">
+                <a14:useLocalDpi xmlns:a14="http://schemas.microsoft.com/office/drawing/2010/main" val="0"/>
+              </a:ext>
+            </a:extLst>
+          </a:blip>
+          <a:stretch>
+            <a:fillRect/>
+          </a:stretch>
+        </p:blipFill>
+        <p:spPr>
+          <a:xfrm>
+            <a:off x="0" y="-302749"/>
+            <a:ext cx="12192000" cy="7160749"/>
+          </a:xfrm>
+        </p:spPr>
+      </p:pic>
+    </p:spTree>
+    <p:extLst>
+      <p:ext uri="{BB962C8B-B14F-4D97-AF65-F5344CB8AC3E}">
+        <p14:creationId xmlns:p14="http://schemas.microsoft.com/office/powerpoint/2010/main" val="1714539048"/>
+      </p:ext>
+    </p:extLst>
+  </p:cSld>
+  <p:clrMapOvr>
+    <a:masterClrMapping/>
+  </p:clrMapOvr>
 </p:sld>
 </file>
 
@@ -14896,13 +15007,10 @@
               <a:t> </a:t>
             </a:r>
             <a:r>
-              <a:rPr lang="vi-VN" b="1" i="1" dirty="0"/>
-              <a:t>21520428_LTQ</a:t>
-            </a:r>
-            <a:r>
-              <a:rPr lang="vi-VN" dirty="0"/>
-              <a:t>.</a:t>
-            </a:r>
+              <a:rPr lang="en-US" b="1" i="1" dirty="0"/>
+              <a:t>LeTienQuyet_21520428 .</a:t>
+            </a:r>
+            <a:endParaRPr lang="vi-VN" dirty="0"/>
           </a:p>
           <a:p>
             <a:pPr lvl="1"/>
@@ -14947,9 +15055,10 @@
               <a:t>streamlit</a:t>
             </a:r>
             <a:r>
-              <a:rPr lang="vi-VN" dirty="0"/>
-              <a:t>.</a:t>
-            </a:r>
+              <a:rPr lang="en-US" dirty="0"/>
+              <a:t> .</a:t>
+            </a:r>
+            <a:endParaRPr lang="vi-VN" dirty="0"/>
           </a:p>
           <a:p>
             <a:pPr lvl="1"/>
